--- a/Presentation.pptx
+++ b/Presentation.pptx
@@ -109,6 +109,11 @@
       </a:defRPr>
     </a:lvl9pPr>
   </p:defaultTextStyle>
+  <p:extLst>
+    <p:ext uri="{EFAFB233-063F-42B5-8137-9DF3F51BA10A}">
+      <p15:sldGuideLst xmlns:p15="http://schemas.microsoft.com/office/powerpoint/2012/main"/>
+    </p:ext>
+  </p:extLst>
 </p:presentation>
 </file>
 
@@ -4414,7 +4419,7 @@
           <a:p>
             <a:pPr algn="ctr"/>
             <a:r>
-              <a:rPr lang="en-IE" dirty="0"/>
+              <a:rPr lang="en-IE" u="sng" dirty="0"/>
               <a:t>Table of Contents</a:t>
             </a:r>
           </a:p>
@@ -4450,10 +4455,12 @@
               <a:lnSpc>
                 <a:spcPct val="250000"/>
               </a:lnSpc>
+              <a:buFont typeface="Wingdings" panose="05000000000000000000" pitchFamily="2" charset="2"/>
+              <a:buChar char="v"/>
             </a:pPr>
             <a:r>
               <a:rPr lang="en-IE" sz="2800" spc="300" dirty="0"/>
-              <a:t>Aims &amp; Objectives</a:t>
+              <a:t> Aims &amp; Objectives</a:t>
             </a:r>
           </a:p>
           <a:p>
@@ -4461,10 +4468,12 @@
               <a:lnSpc>
                 <a:spcPct val="250000"/>
               </a:lnSpc>
+              <a:buFont typeface="Wingdings" panose="05000000000000000000" pitchFamily="2" charset="2"/>
+              <a:buChar char="v"/>
             </a:pPr>
             <a:r>
               <a:rPr lang="en-IE" sz="2800" spc="300" dirty="0"/>
-              <a:t>Architecture of the Solution</a:t>
+              <a:t> Architecture of the Solution</a:t>
             </a:r>
           </a:p>
           <a:p>
@@ -4472,10 +4481,12 @@
               <a:lnSpc>
                 <a:spcPct val="250000"/>
               </a:lnSpc>
+              <a:buFont typeface="Wingdings" panose="05000000000000000000" pitchFamily="2" charset="2"/>
+              <a:buChar char="v"/>
             </a:pPr>
             <a:r>
               <a:rPr lang="en-IE" sz="2800" spc="300" dirty="0"/>
-              <a:t>Problems Encountered</a:t>
+              <a:t> Problems Encountered</a:t>
             </a:r>
           </a:p>
           <a:p>
@@ -4483,10 +4494,12 @@
               <a:lnSpc>
                 <a:spcPct val="250000"/>
               </a:lnSpc>
+              <a:buFont typeface="Wingdings" panose="05000000000000000000" pitchFamily="2" charset="2"/>
+              <a:buChar char="v"/>
             </a:pPr>
             <a:r>
               <a:rPr lang="en-IE" sz="2800" spc="300" dirty="0"/>
-              <a:t>Conclusion</a:t>
+              <a:t> Conclusion</a:t>
             </a:r>
           </a:p>
           <a:p>
@@ -4592,6 +4605,24 @@
             </a:r>
           </a:p>
           <a:p>
+            <a:r>
+              <a:rPr lang="pl-PL" dirty="0"/>
+              <a:t>Improve our team work skills.</a:t>
+            </a:r>
+          </a:p>
+          <a:p>
+            <a:r>
+              <a:rPr lang="pl-PL" dirty="0"/>
+              <a:t>Learn more about Unity, Github, Git and SQLite (new for us).</a:t>
+            </a:r>
+          </a:p>
+          <a:p>
+            <a:r>
+              <a:rPr lang="pl-PL" dirty="0"/>
+              <a:t>Design the graphics by ourselves.</a:t>
+            </a:r>
+          </a:p>
+          <a:p>
             <a:endParaRPr lang="en-IE" dirty="0"/>
           </a:p>
         </p:txBody>
@@ -4795,8 +4826,53 @@
           <a:p>
             <a:r>
               <a:rPr lang="en-IE" dirty="0"/>
-              <a:t>First of all, we had a problem with the project idea. We had a couple of ideas such as, a website with </a:t>
-            </a:r>
+              <a:t>First of all, we had a problem with the project idea. We had a couple of ideas such as, a</a:t>
+            </a:r>
+            <a:r>
+              <a:rPr lang="pl-PL" dirty="0"/>
+              <a:t> to-do list website, a shop and the one that we picked – memory game.</a:t>
+            </a:r>
+          </a:p>
+          <a:p>
+            <a:r>
+              <a:rPr lang="pl-PL" dirty="0"/>
+              <a:t>We had problems with choosing the right database. </a:t>
+            </a:r>
+          </a:p>
+          <a:p>
+            <a:pPr marL="457200" lvl="1" indent="-457200">
+              <a:buFont typeface="+mj-lt"/>
+              <a:buAutoNum type="arabicPeriod"/>
+            </a:pPr>
+            <a:r>
+              <a:rPr lang="pl-PL" dirty="0"/>
+              <a:t>MySQL</a:t>
+            </a:r>
+          </a:p>
+          <a:p>
+            <a:pPr marL="457200" lvl="1" indent="-457200">
+              <a:buFont typeface="+mj-lt"/>
+              <a:buAutoNum type="arabicPeriod"/>
+            </a:pPr>
+            <a:r>
+              <a:rPr lang="pl-PL" dirty="0"/>
+              <a:t>SQLite</a:t>
+            </a:r>
+          </a:p>
+          <a:p>
+            <a:r>
+              <a:rPr lang="pl-PL" dirty="0"/>
+              <a:t>Setting up the database was also difficult. But we found tutorials and got it work as expected.</a:t>
+            </a:r>
+          </a:p>
+          <a:p>
+            <a:r>
+              <a:rPr lang="pl-PL" dirty="0"/>
+              <a:t>The last problem was with the score that was not being passed on from one script to another, because of the scene being switched. Unfortunately we have not fixed it.</a:t>
+            </a:r>
+          </a:p>
+          <a:p>
+            <a:endParaRPr lang="en-IE" dirty="0"/>
           </a:p>
         </p:txBody>
       </p:sp>
@@ -4892,13 +4968,29 @@
           <a:p>
             <a:r>
               <a:rPr lang="en-IE" dirty="0"/>
-              <a:t>In conclusion we have created a working memory game that allows the user to turn on and off the sounds in the game, to pick the levels (Easy, Medium and Hard) and other features which haven’t been fully finished.</a:t>
-            </a:r>
-          </a:p>
-          <a:p>
+              <a:t>In conclusion we have created a working memory game that allows the user to turn on and off the sounds in the game, to pick the levels (Easy, Medium and Hard) </a:t>
+            </a:r>
+            <a:r>
+              <a:rPr lang="pl-PL" dirty="0"/>
+              <a:t>and the database with a scoreboard, with not all functionality</a:t>
+            </a:r>
             <a:r>
               <a:rPr lang="en-IE" dirty="0"/>
-              <a:t>We have also got to know each other better as team mates on the team.</a:t>
+              <a:t>.</a:t>
+            </a:r>
+          </a:p>
+          <a:p>
+            <a:r>
+              <a:rPr lang="en-IE" dirty="0"/>
+              <a:t>We have also got to know each other better as team mate</a:t>
+            </a:r>
+            <a:r>
+              <a:rPr lang="pl-PL" dirty="0"/>
+              <a:t>s and friends</a:t>
+            </a:r>
+            <a:r>
+              <a:rPr lang="en-IE" dirty="0"/>
+              <a:t>.</a:t>
             </a:r>
           </a:p>
           <a:p>
@@ -4912,12 +5004,11 @@
             </a:r>
             <a:r>
               <a:rPr lang="en-IE" dirty="0"/>
-              <a:t>, Unity and in general Project planning </a:t>
-            </a:r>
-            <a:r>
-              <a:rPr lang="en-IE"/>
-              <a:t>and execution.</a:t>
-            </a:r>
+              <a:t>, Unity and in general Project planning and execution.</a:t>
+            </a:r>
+            <a:endParaRPr lang="pl-PL" dirty="0"/>
+          </a:p>
+          <a:p>
             <a:endParaRPr lang="en-IE" dirty="0"/>
           </a:p>
         </p:txBody>

--- a/Presentation.pptx
+++ b/Presentation.pptx
@@ -4,6 +4,9 @@
   <p:sldMasterIdLst>
     <p:sldMasterId id="2147483725" r:id="rId1"/>
   </p:sldMasterIdLst>
+  <p:notesMasterIdLst>
+    <p:notesMasterId r:id="rId8"/>
+  </p:notesMasterIdLst>
   <p:sldIdLst>
     <p:sldId id="256" r:id="rId2"/>
     <p:sldId id="260" r:id="rId3"/>
@@ -117,6 +120,440 @@
 </p:presentation>
 </file>
 
+<file path=ppt/notesMasters/notesMaster1.xml><?xml version="1.0" encoding="utf-8"?>
+<p:notesMaster xmlns:a="http://schemas.openxmlformats.org/drawingml/2006/main" xmlns:r="http://schemas.openxmlformats.org/officeDocument/2006/relationships" xmlns:p="http://schemas.openxmlformats.org/presentationml/2006/main">
+  <p:cSld>
+    <p:bg>
+      <p:bgRef idx="1001">
+        <a:schemeClr val="bg1"/>
+      </p:bgRef>
+    </p:bg>
+    <p:spTree>
+      <p:nvGrpSpPr>
+        <p:cNvPr id="1" name=""/>
+        <p:cNvGrpSpPr/>
+        <p:nvPr/>
+      </p:nvGrpSpPr>
+      <p:grpSpPr>
+        <a:xfrm>
+          <a:off x="0" y="0"/>
+          <a:ext cx="0" cy="0"/>
+          <a:chOff x="0" y="0"/>
+          <a:chExt cx="0" cy="0"/>
+        </a:xfrm>
+      </p:grpSpPr>
+      <p:sp>
+        <p:nvSpPr>
+          <p:cNvPr id="2" name="Header Placeholder 1"/>
+          <p:cNvSpPr>
+            <a:spLocks noGrp="1"/>
+          </p:cNvSpPr>
+          <p:nvPr>
+            <p:ph type="hdr" sz="quarter"/>
+          </p:nvPr>
+        </p:nvSpPr>
+        <p:spPr>
+          <a:xfrm>
+            <a:off x="0" y="0"/>
+            <a:ext cx="2971800" cy="458788"/>
+          </a:xfrm>
+          <a:prstGeom prst="rect">
+            <a:avLst/>
+          </a:prstGeom>
+        </p:spPr>
+        <p:txBody>
+          <a:bodyPr vert="horz" lIns="91440" tIns="45720" rIns="91440" bIns="45720" rtlCol="0"/>
+          <a:lstStyle>
+            <a:lvl1pPr algn="l">
+              <a:defRPr sz="1200"/>
+            </a:lvl1pPr>
+          </a:lstStyle>
+          <a:p>
+            <a:endParaRPr lang="en-GB"/>
+          </a:p>
+        </p:txBody>
+      </p:sp>
+      <p:sp>
+        <p:nvSpPr>
+          <p:cNvPr id="3" name="Date Placeholder 2"/>
+          <p:cNvSpPr>
+            <a:spLocks noGrp="1"/>
+          </p:cNvSpPr>
+          <p:nvPr>
+            <p:ph type="dt" idx="1"/>
+          </p:nvPr>
+        </p:nvSpPr>
+        <p:spPr>
+          <a:xfrm>
+            <a:off x="3884613" y="0"/>
+            <a:ext cx="2971800" cy="458788"/>
+          </a:xfrm>
+          <a:prstGeom prst="rect">
+            <a:avLst/>
+          </a:prstGeom>
+        </p:spPr>
+        <p:txBody>
+          <a:bodyPr vert="horz" lIns="91440" tIns="45720" rIns="91440" bIns="45720" rtlCol="0"/>
+          <a:lstStyle>
+            <a:lvl1pPr algn="r">
+              <a:defRPr sz="1200"/>
+            </a:lvl1pPr>
+          </a:lstStyle>
+          <a:p>
+            <a:fld id="{6F182AFF-FD8D-4876-90B0-9B0BAC598CC0}" type="datetimeFigureOut">
+              <a:rPr lang="en-GB" smtClean="0"/>
+              <a:t>22/04/2021</a:t>
+            </a:fld>
+            <a:endParaRPr lang="en-GB"/>
+          </a:p>
+        </p:txBody>
+      </p:sp>
+      <p:sp>
+        <p:nvSpPr>
+          <p:cNvPr id="4" name="Slide Image Placeholder 3"/>
+          <p:cNvSpPr>
+            <a:spLocks noGrp="1" noRot="1" noChangeAspect="1"/>
+          </p:cNvSpPr>
+          <p:nvPr>
+            <p:ph type="sldImg" idx="2"/>
+          </p:nvPr>
+        </p:nvSpPr>
+        <p:spPr>
+          <a:xfrm>
+            <a:off x="685800" y="1143000"/>
+            <a:ext cx="5486400" cy="3086100"/>
+          </a:xfrm>
+          <a:prstGeom prst="rect">
+            <a:avLst/>
+          </a:prstGeom>
+          <a:noFill/>
+          <a:ln w="12700">
+            <a:solidFill>
+              <a:prstClr val="black"/>
+            </a:solidFill>
+          </a:ln>
+        </p:spPr>
+        <p:txBody>
+          <a:bodyPr vert="horz" lIns="91440" tIns="45720" rIns="91440" bIns="45720" rtlCol="0" anchor="ctr"/>
+          <a:lstStyle/>
+          <a:p>
+            <a:endParaRPr lang="en-GB"/>
+          </a:p>
+        </p:txBody>
+      </p:sp>
+      <p:sp>
+        <p:nvSpPr>
+          <p:cNvPr id="5" name="Notes Placeholder 4"/>
+          <p:cNvSpPr>
+            <a:spLocks noGrp="1"/>
+          </p:cNvSpPr>
+          <p:nvPr>
+            <p:ph type="body" sz="quarter" idx="3"/>
+          </p:nvPr>
+        </p:nvSpPr>
+        <p:spPr>
+          <a:xfrm>
+            <a:off x="685800" y="4400550"/>
+            <a:ext cx="5486400" cy="3600450"/>
+          </a:xfrm>
+          <a:prstGeom prst="rect">
+            <a:avLst/>
+          </a:prstGeom>
+        </p:spPr>
+        <p:txBody>
+          <a:bodyPr vert="horz" lIns="91440" tIns="45720" rIns="91440" bIns="45720" rtlCol="0"/>
+          <a:lstStyle/>
+          <a:p>
+            <a:pPr lvl="0"/>
+            <a:r>
+              <a:rPr lang="en-US"/>
+              <a:t>Click to edit Master text styles</a:t>
+            </a:r>
+          </a:p>
+          <a:p>
+            <a:pPr lvl="1"/>
+            <a:r>
+              <a:rPr lang="en-US"/>
+              <a:t>Second level</a:t>
+            </a:r>
+          </a:p>
+          <a:p>
+            <a:pPr lvl="2"/>
+            <a:r>
+              <a:rPr lang="en-US"/>
+              <a:t>Third level</a:t>
+            </a:r>
+          </a:p>
+          <a:p>
+            <a:pPr lvl="3"/>
+            <a:r>
+              <a:rPr lang="en-US"/>
+              <a:t>Fourth level</a:t>
+            </a:r>
+          </a:p>
+          <a:p>
+            <a:pPr lvl="4"/>
+            <a:r>
+              <a:rPr lang="en-US"/>
+              <a:t>Fifth level</a:t>
+            </a:r>
+            <a:endParaRPr lang="en-GB"/>
+          </a:p>
+        </p:txBody>
+      </p:sp>
+      <p:sp>
+        <p:nvSpPr>
+          <p:cNvPr id="6" name="Footer Placeholder 5"/>
+          <p:cNvSpPr>
+            <a:spLocks noGrp="1"/>
+          </p:cNvSpPr>
+          <p:nvPr>
+            <p:ph type="ftr" sz="quarter" idx="4"/>
+          </p:nvPr>
+        </p:nvSpPr>
+        <p:spPr>
+          <a:xfrm>
+            <a:off x="0" y="8685213"/>
+            <a:ext cx="2971800" cy="458787"/>
+          </a:xfrm>
+          <a:prstGeom prst="rect">
+            <a:avLst/>
+          </a:prstGeom>
+        </p:spPr>
+        <p:txBody>
+          <a:bodyPr vert="horz" lIns="91440" tIns="45720" rIns="91440" bIns="45720" rtlCol="0" anchor="b"/>
+          <a:lstStyle>
+            <a:lvl1pPr algn="l">
+              <a:defRPr sz="1200"/>
+            </a:lvl1pPr>
+          </a:lstStyle>
+          <a:p>
+            <a:endParaRPr lang="en-GB"/>
+          </a:p>
+        </p:txBody>
+      </p:sp>
+      <p:sp>
+        <p:nvSpPr>
+          <p:cNvPr id="7" name="Slide Number Placeholder 6"/>
+          <p:cNvSpPr>
+            <a:spLocks noGrp="1"/>
+          </p:cNvSpPr>
+          <p:nvPr>
+            <p:ph type="sldNum" sz="quarter" idx="5"/>
+          </p:nvPr>
+        </p:nvSpPr>
+        <p:spPr>
+          <a:xfrm>
+            <a:off x="3884613" y="8685213"/>
+            <a:ext cx="2971800" cy="458787"/>
+          </a:xfrm>
+          <a:prstGeom prst="rect">
+            <a:avLst/>
+          </a:prstGeom>
+        </p:spPr>
+        <p:txBody>
+          <a:bodyPr vert="horz" lIns="91440" tIns="45720" rIns="91440" bIns="45720" rtlCol="0" anchor="b"/>
+          <a:lstStyle>
+            <a:lvl1pPr algn="r">
+              <a:defRPr sz="1200"/>
+            </a:lvl1pPr>
+          </a:lstStyle>
+          <a:p>
+            <a:fld id="{B54D7E3B-59E8-4A83-AA1C-76C886DC6074}" type="slidenum">
+              <a:rPr lang="en-GB" smtClean="0"/>
+              <a:t>‹#›</a:t>
+            </a:fld>
+            <a:endParaRPr lang="en-GB"/>
+          </a:p>
+        </p:txBody>
+      </p:sp>
+    </p:spTree>
+    <p:extLst>
+      <p:ext uri="{BB962C8B-B14F-4D97-AF65-F5344CB8AC3E}">
+        <p14:creationId xmlns:p14="http://schemas.microsoft.com/office/powerpoint/2010/main" val="1430903109"/>
+      </p:ext>
+    </p:extLst>
+  </p:cSld>
+  <p:clrMap bg1="lt1" tx1="dk1" bg2="lt2" tx2="dk2" accent1="accent1" accent2="accent2" accent3="accent3" accent4="accent4" accent5="accent5" accent6="accent6" hlink="hlink" folHlink="folHlink"/>
+  <p:notesStyle>
+    <a:lvl1pPr marL="0" algn="l" defTabSz="914400" rtl="0" eaLnBrk="1" latinLnBrk="0" hangingPunct="1">
+      <a:defRPr sz="1200" kern="1200">
+        <a:solidFill>
+          <a:schemeClr val="tx1"/>
+        </a:solidFill>
+        <a:latin typeface="+mn-lt"/>
+        <a:ea typeface="+mn-ea"/>
+        <a:cs typeface="+mn-cs"/>
+      </a:defRPr>
+    </a:lvl1pPr>
+    <a:lvl2pPr marL="457200" algn="l" defTabSz="914400" rtl="0" eaLnBrk="1" latinLnBrk="0" hangingPunct="1">
+      <a:defRPr sz="1200" kern="1200">
+        <a:solidFill>
+          <a:schemeClr val="tx1"/>
+        </a:solidFill>
+        <a:latin typeface="+mn-lt"/>
+        <a:ea typeface="+mn-ea"/>
+        <a:cs typeface="+mn-cs"/>
+      </a:defRPr>
+    </a:lvl2pPr>
+    <a:lvl3pPr marL="914400" algn="l" defTabSz="914400" rtl="0" eaLnBrk="1" latinLnBrk="0" hangingPunct="1">
+      <a:defRPr sz="1200" kern="1200">
+        <a:solidFill>
+          <a:schemeClr val="tx1"/>
+        </a:solidFill>
+        <a:latin typeface="+mn-lt"/>
+        <a:ea typeface="+mn-ea"/>
+        <a:cs typeface="+mn-cs"/>
+      </a:defRPr>
+    </a:lvl3pPr>
+    <a:lvl4pPr marL="1371600" algn="l" defTabSz="914400" rtl="0" eaLnBrk="1" latinLnBrk="0" hangingPunct="1">
+      <a:defRPr sz="1200" kern="1200">
+        <a:solidFill>
+          <a:schemeClr val="tx1"/>
+        </a:solidFill>
+        <a:latin typeface="+mn-lt"/>
+        <a:ea typeface="+mn-ea"/>
+        <a:cs typeface="+mn-cs"/>
+      </a:defRPr>
+    </a:lvl4pPr>
+    <a:lvl5pPr marL="1828800" algn="l" defTabSz="914400" rtl="0" eaLnBrk="1" latinLnBrk="0" hangingPunct="1">
+      <a:defRPr sz="1200" kern="1200">
+        <a:solidFill>
+          <a:schemeClr val="tx1"/>
+        </a:solidFill>
+        <a:latin typeface="+mn-lt"/>
+        <a:ea typeface="+mn-ea"/>
+        <a:cs typeface="+mn-cs"/>
+      </a:defRPr>
+    </a:lvl5pPr>
+    <a:lvl6pPr marL="2286000" algn="l" defTabSz="914400" rtl="0" eaLnBrk="1" latinLnBrk="0" hangingPunct="1">
+      <a:defRPr sz="1200" kern="1200">
+        <a:solidFill>
+          <a:schemeClr val="tx1"/>
+        </a:solidFill>
+        <a:latin typeface="+mn-lt"/>
+        <a:ea typeface="+mn-ea"/>
+        <a:cs typeface="+mn-cs"/>
+      </a:defRPr>
+    </a:lvl6pPr>
+    <a:lvl7pPr marL="2743200" algn="l" defTabSz="914400" rtl="0" eaLnBrk="1" latinLnBrk="0" hangingPunct="1">
+      <a:defRPr sz="1200" kern="1200">
+        <a:solidFill>
+          <a:schemeClr val="tx1"/>
+        </a:solidFill>
+        <a:latin typeface="+mn-lt"/>
+        <a:ea typeface="+mn-ea"/>
+        <a:cs typeface="+mn-cs"/>
+      </a:defRPr>
+    </a:lvl7pPr>
+    <a:lvl8pPr marL="3200400" algn="l" defTabSz="914400" rtl="0" eaLnBrk="1" latinLnBrk="0" hangingPunct="1">
+      <a:defRPr sz="1200" kern="1200">
+        <a:solidFill>
+          <a:schemeClr val="tx1"/>
+        </a:solidFill>
+        <a:latin typeface="+mn-lt"/>
+        <a:ea typeface="+mn-ea"/>
+        <a:cs typeface="+mn-cs"/>
+      </a:defRPr>
+    </a:lvl8pPr>
+    <a:lvl9pPr marL="3657600" algn="l" defTabSz="914400" rtl="0" eaLnBrk="1" latinLnBrk="0" hangingPunct="1">
+      <a:defRPr sz="1200" kern="1200">
+        <a:solidFill>
+          <a:schemeClr val="tx1"/>
+        </a:solidFill>
+        <a:latin typeface="+mn-lt"/>
+        <a:ea typeface="+mn-ea"/>
+        <a:cs typeface="+mn-cs"/>
+      </a:defRPr>
+    </a:lvl9pPr>
+  </p:notesStyle>
+</p:notesMaster>
+</file>
+
+<file path=ppt/notesSlides/notesSlide1.xml><?xml version="1.0" encoding="utf-8"?>
+<p:notes xmlns:a="http://schemas.openxmlformats.org/drawingml/2006/main" xmlns:r="http://schemas.openxmlformats.org/officeDocument/2006/relationships" xmlns:p="http://schemas.openxmlformats.org/presentationml/2006/main">
+  <p:cSld>
+    <p:spTree>
+      <p:nvGrpSpPr>
+        <p:cNvPr id="1" name=""/>
+        <p:cNvGrpSpPr/>
+        <p:nvPr/>
+      </p:nvGrpSpPr>
+      <p:grpSpPr>
+        <a:xfrm>
+          <a:off x="0" y="0"/>
+          <a:ext cx="0" cy="0"/>
+          <a:chOff x="0" y="0"/>
+          <a:chExt cx="0" cy="0"/>
+        </a:xfrm>
+      </p:grpSpPr>
+      <p:sp>
+        <p:nvSpPr>
+          <p:cNvPr id="2" name="Slide Image Placeholder 1"/>
+          <p:cNvSpPr>
+            <a:spLocks noGrp="1" noRot="1" noChangeAspect="1"/>
+          </p:cNvSpPr>
+          <p:nvPr>
+            <p:ph type="sldImg"/>
+          </p:nvPr>
+        </p:nvSpPr>
+        <p:spPr/>
+      </p:sp>
+      <p:sp>
+        <p:nvSpPr>
+          <p:cNvPr id="3" name="Notes Placeholder 2"/>
+          <p:cNvSpPr>
+            <a:spLocks noGrp="1"/>
+          </p:cNvSpPr>
+          <p:nvPr>
+            <p:ph type="body" idx="1"/>
+          </p:nvPr>
+        </p:nvSpPr>
+        <p:spPr/>
+        <p:txBody>
+          <a:bodyPr/>
+          <a:lstStyle/>
+          <a:p>
+            <a:endParaRPr lang="en-GB" dirty="0"/>
+          </a:p>
+        </p:txBody>
+      </p:sp>
+      <p:sp>
+        <p:nvSpPr>
+          <p:cNvPr id="4" name="Slide Number Placeholder 3"/>
+          <p:cNvSpPr>
+            <a:spLocks noGrp="1"/>
+          </p:cNvSpPr>
+          <p:nvPr>
+            <p:ph type="sldNum" sz="quarter" idx="5"/>
+          </p:nvPr>
+        </p:nvSpPr>
+        <p:spPr/>
+        <p:txBody>
+          <a:bodyPr/>
+          <a:lstStyle/>
+          <a:p>
+            <a:fld id="{B54D7E3B-59E8-4A83-AA1C-76C886DC6074}" type="slidenum">
+              <a:rPr lang="en-GB" smtClean="0"/>
+              <a:t>1</a:t>
+            </a:fld>
+            <a:endParaRPr lang="en-GB"/>
+          </a:p>
+        </p:txBody>
+      </p:sp>
+    </p:spTree>
+    <p:extLst>
+      <p:ext uri="{BB962C8B-B14F-4D97-AF65-F5344CB8AC3E}">
+        <p14:creationId xmlns:p14="http://schemas.microsoft.com/office/powerpoint/2010/main" val="3296270923"/>
+      </p:ext>
+    </p:extLst>
+  </p:cSld>
+  <p:clrMapOvr>
+    <a:masterClrMapping/>
+  </p:clrMapOvr>
+</p:notes>
+</file>
+
 <file path=ppt/slideLayouts/slideLayout1.xml><?xml version="1.0" encoding="utf-8"?>
 <p:sldLayout xmlns:a="http://schemas.openxmlformats.org/drawingml/2006/main" xmlns:r="http://schemas.openxmlformats.org/officeDocument/2006/relationships" xmlns:p="http://schemas.openxmlformats.org/presentationml/2006/main" showMasterSp="0" type="title" preserve="1">
   <p:cSld name="Title Slide">
@@ -538,7 +975,7 @@
           <a:p>
             <a:fld id="{53BEF823-48A5-43FC-BE03-E79964288B41}" type="datetimeFigureOut">
               <a:rPr lang="en-US" smtClean="0"/>
-              <a:t>4/21/2021</a:t>
+              <a:t>4/22/2021</a:t>
             </a:fld>
             <a:endParaRPr lang="en-US" dirty="0"/>
           </a:p>
@@ -749,7 +1186,7 @@
             <a:fld id="{53BEF823-48A5-43FC-BE03-E79964288B41}" type="datetimeFigureOut">
               <a:rPr lang="en-US" smtClean="0"/>
               <a:pPr algn="r"/>
-              <a:t>4/21/2021</a:t>
+              <a:t>4/22/2021</a:t>
             </a:fld>
             <a:endParaRPr lang="en-US" dirty="0"/>
           </a:p>
@@ -964,7 +1401,7 @@
             <a:fld id="{53BEF823-48A5-43FC-BE03-E79964288B41}" type="datetimeFigureOut">
               <a:rPr lang="en-US" smtClean="0"/>
               <a:pPr algn="r"/>
-              <a:t>4/21/2021</a:t>
+              <a:t>4/22/2021</a:t>
             </a:fld>
             <a:endParaRPr lang="en-US" dirty="0"/>
           </a:p>
@@ -1167,7 +1604,7 @@
             <a:fld id="{53BEF823-48A5-43FC-BE03-E79964288B41}" type="datetimeFigureOut">
               <a:rPr lang="en-US" smtClean="0"/>
               <a:pPr algn="r"/>
-              <a:t>4/21/2021</a:t>
+              <a:t>4/22/2021</a:t>
             </a:fld>
             <a:endParaRPr lang="en-US" dirty="0"/>
           </a:p>
@@ -1451,7 +1888,7 @@
             <a:fld id="{53BEF823-48A5-43FC-BE03-E79964288B41}" type="datetimeFigureOut">
               <a:rPr lang="en-US" smtClean="0"/>
               <a:pPr algn="r"/>
-              <a:t>4/21/2021</a:t>
+              <a:t>4/22/2021</a:t>
             </a:fld>
             <a:endParaRPr lang="en-US" dirty="0"/>
           </a:p>
@@ -1695,7 +2132,7 @@
             <a:fld id="{53BEF823-48A5-43FC-BE03-E79964288B41}" type="datetimeFigureOut">
               <a:rPr lang="en-US" smtClean="0"/>
               <a:pPr algn="r"/>
-              <a:t>4/21/2021</a:t>
+              <a:t>4/22/2021</a:t>
             </a:fld>
             <a:endParaRPr lang="en-US" dirty="0"/>
           </a:p>
@@ -2138,7 +2575,7 @@
             <a:fld id="{53BEF823-48A5-43FC-BE03-E79964288B41}" type="datetimeFigureOut">
               <a:rPr lang="en-US" smtClean="0"/>
               <a:pPr algn="r"/>
-              <a:t>4/21/2021</a:t>
+              <a:t>4/22/2021</a:t>
             </a:fld>
             <a:endParaRPr lang="en-US" dirty="0"/>
           </a:p>
@@ -2284,7 +2721,7 @@
             <a:fld id="{53BEF823-48A5-43FC-BE03-E79964288B41}" type="datetimeFigureOut">
               <a:rPr lang="en-US" smtClean="0"/>
               <a:pPr algn="r"/>
-              <a:t>4/21/2021</a:t>
+              <a:t>4/22/2021</a:t>
             </a:fld>
             <a:endParaRPr lang="en-US" dirty="0"/>
           </a:p>
@@ -2402,7 +2839,7 @@
             <a:fld id="{53BEF823-48A5-43FC-BE03-E79964288B41}" type="datetimeFigureOut">
               <a:rPr lang="en-US" smtClean="0"/>
               <a:pPr algn="r"/>
-              <a:t>4/21/2021</a:t>
+              <a:t>4/22/2021</a:t>
             </a:fld>
             <a:endParaRPr lang="en-US" dirty="0"/>
           </a:p>
@@ -2686,7 +3123,7 @@
             <a:fld id="{53BEF823-48A5-43FC-BE03-E79964288B41}" type="datetimeFigureOut">
               <a:rPr lang="en-US" smtClean="0"/>
               <a:pPr algn="r"/>
-              <a:t>4/21/2021</a:t>
+              <a:t>4/22/2021</a:t>
             </a:fld>
             <a:endParaRPr lang="en-US" dirty="0"/>
           </a:p>
@@ -2981,7 +3418,7 @@
             <a:fld id="{53BEF823-48A5-43FC-BE03-E79964288B41}" type="datetimeFigureOut">
               <a:rPr lang="en-US" smtClean="0"/>
               <a:pPr algn="r"/>
-              <a:t>4/21/2021</a:t>
+              <a:t>4/22/2021</a:t>
             </a:fld>
             <a:endParaRPr lang="en-US" dirty="0"/>
           </a:p>
@@ -3476,7 +3913,7 @@
             <a:fld id="{53BEF823-48A5-43FC-BE03-E79964288B41}" type="datetimeFigureOut">
               <a:rPr lang="en-US" smtClean="0"/>
               <a:pPr algn="r"/>
-              <a:t>4/21/2021</a:t>
+              <a:t>4/22/2021</a:t>
             </a:fld>
             <a:endParaRPr lang="en-US" dirty="0"/>
           </a:p>
@@ -4121,7 +4558,7 @@
           <p:nvPr/>
         </p:nvPicPr>
         <p:blipFill rotWithShape="1">
-          <a:blip r:embed="rId2"/>
+          <a:blip r:embed="rId3"/>
           <a:srcRect l="49650" r="12331"/>
           <a:stretch/>
         </p:blipFill>
@@ -4605,16 +5042,28 @@
             </a:r>
           </a:p>
           <a:p>
+            <a:pPr marL="0" indent="0">
+              <a:buNone/>
+            </a:pPr>
+            <a:endParaRPr lang="en-IE" dirty="0"/>
+          </a:p>
+          <a:p>
             <a:r>
               <a:rPr lang="pl-PL" dirty="0"/>
               <a:t>Improve our team work skills.</a:t>
             </a:r>
           </a:p>
           <a:p>
+            <a:endParaRPr lang="en-GB" dirty="0"/>
+          </a:p>
+          <a:p>
             <a:r>
               <a:rPr lang="pl-PL" dirty="0"/>
               <a:t>Learn more about Unity, Github, Git and SQLite (new for us).</a:t>
             </a:r>
+          </a:p>
+          <a:p>
+            <a:endParaRPr lang="en-GB" dirty="0"/>
           </a:p>
           <a:p>
             <a:r>
@@ -4719,6 +5168,92 @@
           <a:bodyPr/>
           <a:lstStyle/>
           <a:p>
+            <a:r>
+              <a:rPr lang="en-GB" sz="1800" dirty="0">
+                <a:effectLst/>
+                <a:latin typeface="Times New Roman" panose="02020603050405020304" pitchFamily="18" charset="0"/>
+                <a:ea typeface="Calibri" panose="020F0502020204030204" pitchFamily="34" charset="0"/>
+              </a:rPr>
+              <a:t>The main idea of the is to match all the symbols on the cards.</a:t>
+            </a:r>
+          </a:p>
+          <a:p>
+            <a:endParaRPr lang="en-GB" sz="1800" dirty="0">
+              <a:latin typeface="Times New Roman" panose="02020603050405020304" pitchFamily="18" charset="0"/>
+              <a:ea typeface="Calibri" panose="020F0502020204030204" pitchFamily="34" charset="0"/>
+            </a:endParaRPr>
+          </a:p>
+          <a:p>
+            <a:r>
+              <a:rPr lang="en-GB" sz="1800" dirty="0">
+                <a:latin typeface="Times New Roman" panose="02020603050405020304" pitchFamily="18" charset="0"/>
+                <a:ea typeface="Calibri" panose="020F0502020204030204" pitchFamily="34" charset="0"/>
+              </a:rPr>
+              <a:t>The play has a menu at the start where they can select play or change options.</a:t>
+            </a:r>
+          </a:p>
+          <a:p>
+            <a:endParaRPr lang="en-GB" sz="1800" dirty="0">
+              <a:effectLst/>
+              <a:latin typeface="Times New Roman" panose="02020603050405020304" pitchFamily="18" charset="0"/>
+              <a:ea typeface="Calibri" panose="020F0502020204030204" pitchFamily="34" charset="0"/>
+            </a:endParaRPr>
+          </a:p>
+          <a:p>
+            <a:r>
+              <a:rPr lang="en-GB" sz="1800" dirty="0">
+                <a:latin typeface="Times New Roman" panose="02020603050405020304" pitchFamily="18" charset="0"/>
+                <a:ea typeface="Calibri" panose="020F0502020204030204" pitchFamily="34" charset="0"/>
+              </a:rPr>
+              <a:t>The user has 3 modes to pick when playing easy, normal or hard.</a:t>
+            </a:r>
+          </a:p>
+          <a:p>
+            <a:endParaRPr lang="en-GB" sz="1800" dirty="0">
+              <a:effectLst/>
+              <a:latin typeface="Times New Roman" panose="02020603050405020304" pitchFamily="18" charset="0"/>
+              <a:ea typeface="Calibri" panose="020F0502020204030204" pitchFamily="34" charset="0"/>
+            </a:endParaRPr>
+          </a:p>
+          <a:p>
+            <a:r>
+              <a:rPr lang="en-GB" sz="1800" dirty="0">
+                <a:latin typeface="Times New Roman" panose="02020603050405020304" pitchFamily="18" charset="0"/>
+                <a:ea typeface="Calibri" panose="020F0502020204030204" pitchFamily="34" charset="0"/>
+              </a:rPr>
+              <a:t>Each mode changes how many cards the user will have to match.</a:t>
+            </a:r>
+            <a:endParaRPr lang="en-GB" sz="1800" dirty="0">
+              <a:effectLst/>
+              <a:latin typeface="Times New Roman" panose="02020603050405020304" pitchFamily="18" charset="0"/>
+              <a:ea typeface="Calibri" panose="020F0502020204030204" pitchFamily="34" charset="0"/>
+            </a:endParaRPr>
+          </a:p>
+          <a:p>
+            <a:endParaRPr lang="en-GB" sz="1800" dirty="0">
+              <a:latin typeface="Times New Roman" panose="02020603050405020304" pitchFamily="18" charset="0"/>
+            </a:endParaRPr>
+          </a:p>
+          <a:p>
+            <a:r>
+              <a:rPr lang="en-GB" sz="1800" dirty="0">
+                <a:latin typeface="Times New Roman" panose="02020603050405020304" pitchFamily="18" charset="0"/>
+              </a:rPr>
+              <a:t>The game is created using unity.</a:t>
+            </a:r>
+          </a:p>
+          <a:p>
+            <a:endParaRPr lang="en-GB" sz="1800" dirty="0">
+              <a:latin typeface="Times New Roman" panose="02020603050405020304" pitchFamily="18" charset="0"/>
+            </a:endParaRPr>
+          </a:p>
+          <a:p>
+            <a:r>
+              <a:rPr lang="en-GB" sz="1800" dirty="0">
+                <a:latin typeface="Times New Roman" panose="02020603050405020304" pitchFamily="18" charset="0"/>
+              </a:rPr>
+              <a:t>And the database is done using SQLite.</a:t>
+            </a:r>
             <a:endParaRPr lang="en-IE" dirty="0"/>
           </a:p>
         </p:txBody>
@@ -4812,7 +5347,9 @@
           </a:xfrm>
         </p:spPr>
         <p:txBody>
-          <a:bodyPr/>
+          <a:bodyPr>
+            <a:normAutofit fontScale="92500" lnSpcReduction="20000"/>
+          </a:bodyPr>
           <a:lstStyle/>
           <a:p>
             <a:pPr marL="0" indent="0">
@@ -4832,6 +5369,9 @@
               <a:rPr lang="pl-PL" dirty="0"/>
               <a:t> to-do list website, a shop and the one that we picked – memory game.</a:t>
             </a:r>
+          </a:p>
+          <a:p>
+            <a:endParaRPr lang="en-GB" dirty="0"/>
           </a:p>
           <a:p>
             <a:r>
@@ -4860,10 +5400,16 @@
             </a:r>
           </a:p>
           <a:p>
+            <a:endParaRPr lang="en-GB" dirty="0"/>
+          </a:p>
+          <a:p>
             <a:r>
               <a:rPr lang="pl-PL" dirty="0"/>
               <a:t>Setting up the database was also difficult. But we found tutorials and got it work as expected.</a:t>
             </a:r>
+          </a:p>
+          <a:p>
+            <a:endParaRPr lang="en-GB" dirty="0"/>
           </a:p>
           <a:p>
             <a:r>
@@ -4980,6 +5526,9 @@
             </a:r>
           </a:p>
           <a:p>
+            <a:endParaRPr lang="en-IE" dirty="0"/>
+          </a:p>
+          <a:p>
             <a:r>
               <a:rPr lang="en-IE" dirty="0"/>
               <a:t>We have also got to know each other better as team mate</a:t>
@@ -4992,6 +5541,9 @@
               <a:rPr lang="en-IE" dirty="0"/>
               <a:t>.</a:t>
             </a:r>
+          </a:p>
+          <a:p>
+            <a:endParaRPr lang="en-IE" dirty="0"/>
           </a:p>
           <a:p>
             <a:r>
@@ -5225,4 +5777,299 @@
     </a:ext>
   </a:extLst>
 </a:theme>
+</file>
+
+<file path=ppt/theme/theme2.xml><?xml version="1.0" encoding="utf-8"?>
+<a:theme xmlns:a="http://schemas.openxmlformats.org/drawingml/2006/main" name="Office Theme">
+  <a:themeElements>
+    <a:clrScheme name="Office">
+      <a:dk1>
+        <a:sysClr val="windowText" lastClr="000000"/>
+      </a:dk1>
+      <a:lt1>
+        <a:sysClr val="window" lastClr="FFFFFF"/>
+      </a:lt1>
+      <a:dk2>
+        <a:srgbClr val="44546A"/>
+      </a:dk2>
+      <a:lt2>
+        <a:srgbClr val="E7E6E6"/>
+      </a:lt2>
+      <a:accent1>
+        <a:srgbClr val="4472C4"/>
+      </a:accent1>
+      <a:accent2>
+        <a:srgbClr val="ED7D31"/>
+      </a:accent2>
+      <a:accent3>
+        <a:srgbClr val="A5A5A5"/>
+      </a:accent3>
+      <a:accent4>
+        <a:srgbClr val="FFC000"/>
+      </a:accent4>
+      <a:accent5>
+        <a:srgbClr val="5B9BD5"/>
+      </a:accent5>
+      <a:accent6>
+        <a:srgbClr val="70AD47"/>
+      </a:accent6>
+      <a:hlink>
+        <a:srgbClr val="0563C1"/>
+      </a:hlink>
+      <a:folHlink>
+        <a:srgbClr val="954F72"/>
+      </a:folHlink>
+    </a:clrScheme>
+    <a:fontScheme name="Office">
+      <a:majorFont>
+        <a:latin typeface="Calibri Light" panose="020F0302020204030204"/>
+        <a:ea typeface=""/>
+        <a:cs typeface=""/>
+        <a:font script="Jpan" typeface="游ゴシック Light"/>
+        <a:font script="Hang" typeface="맑은 고딕"/>
+        <a:font script="Hans" typeface="等线 Light"/>
+        <a:font script="Hant" typeface="新細明體"/>
+        <a:font script="Arab" typeface="Times New Roman"/>
+        <a:font script="Hebr" typeface="Times New Roman"/>
+        <a:font script="Thai" typeface="Angsana New"/>
+        <a:font script="Ethi" typeface="Nyala"/>
+        <a:font script="Beng" typeface="Vrinda"/>
+        <a:font script="Gujr" typeface="Shruti"/>
+        <a:font script="Khmr" typeface="MoolBoran"/>
+        <a:font script="Knda" typeface="Tunga"/>
+        <a:font script="Guru" typeface="Raavi"/>
+        <a:font script="Cans" typeface="Euphemia"/>
+        <a:font script="Cher" typeface="Plantagenet Cherokee"/>
+        <a:font script="Yiii" typeface="Microsoft Yi Baiti"/>
+        <a:font script="Tibt" typeface="Microsoft Himalaya"/>
+        <a:font script="Thaa" typeface="MV Boli"/>
+        <a:font script="Deva" typeface="Mangal"/>
+        <a:font script="Telu" typeface="Gautami"/>
+        <a:font script="Taml" typeface="Latha"/>
+        <a:font script="Syrc" typeface="Estrangelo Edessa"/>
+        <a:font script="Orya" typeface="Kalinga"/>
+        <a:font script="Mlym" typeface="Kartika"/>
+        <a:font script="Laoo" typeface="DokChampa"/>
+        <a:font script="Sinh" typeface="Iskoola Pota"/>
+        <a:font script="Mong" typeface="Mongolian Baiti"/>
+        <a:font script="Viet" typeface="Times New Roman"/>
+        <a:font script="Uigh" typeface="Microsoft Uighur"/>
+        <a:font script="Geor" typeface="Sylfaen"/>
+        <a:font script="Armn" typeface="Arial"/>
+        <a:font script="Bugi" typeface="Leelawadee UI"/>
+        <a:font script="Bopo" typeface="Microsoft JhengHei"/>
+        <a:font script="Java" typeface="Javanese Text"/>
+        <a:font script="Lisu" typeface="Segoe UI"/>
+        <a:font script="Mymr" typeface="Myanmar Text"/>
+        <a:font script="Nkoo" typeface="Ebrima"/>
+        <a:font script="Olck" typeface="Nirmala UI"/>
+        <a:font script="Osma" typeface="Ebrima"/>
+        <a:font script="Phag" typeface="Phagspa"/>
+        <a:font script="Syrn" typeface="Estrangelo Edessa"/>
+        <a:font script="Syrj" typeface="Estrangelo Edessa"/>
+        <a:font script="Syre" typeface="Estrangelo Edessa"/>
+        <a:font script="Sora" typeface="Nirmala UI"/>
+        <a:font script="Tale" typeface="Microsoft Tai Le"/>
+        <a:font script="Talu" typeface="Microsoft New Tai Lue"/>
+        <a:font script="Tfng" typeface="Ebrima"/>
+      </a:majorFont>
+      <a:minorFont>
+        <a:latin typeface="Calibri" panose="020F0502020204030204"/>
+        <a:ea typeface=""/>
+        <a:cs typeface=""/>
+        <a:font script="Jpan" typeface="游ゴシック"/>
+        <a:font script="Hang" typeface="맑은 고딕"/>
+        <a:font script="Hans" typeface="等线"/>
+        <a:font script="Hant" typeface="新細明體"/>
+        <a:font script="Arab" typeface="Arial"/>
+        <a:font script="Hebr" typeface="Arial"/>
+        <a:font script="Thai" typeface="Cordia New"/>
+        <a:font script="Ethi" typeface="Nyala"/>
+        <a:font script="Beng" typeface="Vrinda"/>
+        <a:font script="Gujr" typeface="Shruti"/>
+        <a:font script="Khmr" typeface="DaunPenh"/>
+        <a:font script="Knda" typeface="Tunga"/>
+        <a:font script="Guru" typeface="Raavi"/>
+        <a:font script="Cans" typeface="Euphemia"/>
+        <a:font script="Cher" typeface="Plantagenet Cherokee"/>
+        <a:font script="Yiii" typeface="Microsoft Yi Baiti"/>
+        <a:font script="Tibt" typeface="Microsoft Himalaya"/>
+        <a:font script="Thaa" typeface="MV Boli"/>
+        <a:font script="Deva" typeface="Mangal"/>
+        <a:font script="Telu" typeface="Gautami"/>
+        <a:font script="Taml" typeface="Latha"/>
+        <a:font script="Syrc" typeface="Estrangelo Edessa"/>
+        <a:font script="Orya" typeface="Kalinga"/>
+        <a:font script="Mlym" typeface="Kartika"/>
+        <a:font script="Laoo" typeface="DokChampa"/>
+        <a:font script="Sinh" typeface="Iskoola Pota"/>
+        <a:font script="Mong" typeface="Mongolian Baiti"/>
+        <a:font script="Viet" typeface="Arial"/>
+        <a:font script="Uigh" typeface="Microsoft Uighur"/>
+        <a:font script="Geor" typeface="Sylfaen"/>
+        <a:font script="Armn" typeface="Arial"/>
+        <a:font script="Bugi" typeface="Leelawadee UI"/>
+        <a:font script="Bopo" typeface="Microsoft JhengHei"/>
+        <a:font script="Java" typeface="Javanese Text"/>
+        <a:font script="Lisu" typeface="Segoe UI"/>
+        <a:font script="Mymr" typeface="Myanmar Text"/>
+        <a:font script="Nkoo" typeface="Ebrima"/>
+        <a:font script="Olck" typeface="Nirmala UI"/>
+        <a:font script="Osma" typeface="Ebrima"/>
+        <a:font script="Phag" typeface="Phagspa"/>
+        <a:font script="Syrn" typeface="Estrangelo Edessa"/>
+        <a:font script="Syrj" typeface="Estrangelo Edessa"/>
+        <a:font script="Syre" typeface="Estrangelo Edessa"/>
+        <a:font script="Sora" typeface="Nirmala UI"/>
+        <a:font script="Tale" typeface="Microsoft Tai Le"/>
+        <a:font script="Talu" typeface="Microsoft New Tai Lue"/>
+        <a:font script="Tfng" typeface="Ebrima"/>
+      </a:minorFont>
+    </a:fontScheme>
+    <a:fmtScheme name="Office">
+      <a:fillStyleLst>
+        <a:solidFill>
+          <a:schemeClr val="phClr"/>
+        </a:solidFill>
+        <a:gradFill rotWithShape="1">
+          <a:gsLst>
+            <a:gs pos="0">
+              <a:schemeClr val="phClr">
+                <a:lumMod val="110000"/>
+                <a:satMod val="105000"/>
+                <a:tint val="67000"/>
+              </a:schemeClr>
+            </a:gs>
+            <a:gs pos="50000">
+              <a:schemeClr val="phClr">
+                <a:lumMod val="105000"/>
+                <a:satMod val="103000"/>
+                <a:tint val="73000"/>
+              </a:schemeClr>
+            </a:gs>
+            <a:gs pos="100000">
+              <a:schemeClr val="phClr">
+                <a:lumMod val="105000"/>
+                <a:satMod val="109000"/>
+                <a:tint val="81000"/>
+              </a:schemeClr>
+            </a:gs>
+          </a:gsLst>
+          <a:lin ang="5400000" scaled="0"/>
+        </a:gradFill>
+        <a:gradFill rotWithShape="1">
+          <a:gsLst>
+            <a:gs pos="0">
+              <a:schemeClr val="phClr">
+                <a:satMod val="103000"/>
+                <a:lumMod val="102000"/>
+                <a:tint val="94000"/>
+              </a:schemeClr>
+            </a:gs>
+            <a:gs pos="50000">
+              <a:schemeClr val="phClr">
+                <a:satMod val="110000"/>
+                <a:lumMod val="100000"/>
+                <a:shade val="100000"/>
+              </a:schemeClr>
+            </a:gs>
+            <a:gs pos="100000">
+              <a:schemeClr val="phClr">
+                <a:lumMod val="99000"/>
+                <a:satMod val="120000"/>
+                <a:shade val="78000"/>
+              </a:schemeClr>
+            </a:gs>
+          </a:gsLst>
+          <a:lin ang="5400000" scaled="0"/>
+        </a:gradFill>
+      </a:fillStyleLst>
+      <a:lnStyleLst>
+        <a:ln w="6350" cap="flat" cmpd="sng" algn="ctr">
+          <a:solidFill>
+            <a:schemeClr val="phClr"/>
+          </a:solidFill>
+          <a:prstDash val="solid"/>
+          <a:miter lim="800000"/>
+        </a:ln>
+        <a:ln w="12700" cap="flat" cmpd="sng" algn="ctr">
+          <a:solidFill>
+            <a:schemeClr val="phClr"/>
+          </a:solidFill>
+          <a:prstDash val="solid"/>
+          <a:miter lim="800000"/>
+        </a:ln>
+        <a:ln w="19050" cap="flat" cmpd="sng" algn="ctr">
+          <a:solidFill>
+            <a:schemeClr val="phClr"/>
+          </a:solidFill>
+          <a:prstDash val="solid"/>
+          <a:miter lim="800000"/>
+        </a:ln>
+      </a:lnStyleLst>
+      <a:effectStyleLst>
+        <a:effectStyle>
+          <a:effectLst/>
+        </a:effectStyle>
+        <a:effectStyle>
+          <a:effectLst/>
+        </a:effectStyle>
+        <a:effectStyle>
+          <a:effectLst>
+            <a:outerShdw blurRad="57150" dist="19050" dir="5400000" algn="ctr" rotWithShape="0">
+              <a:srgbClr val="000000">
+                <a:alpha val="63000"/>
+              </a:srgbClr>
+            </a:outerShdw>
+          </a:effectLst>
+        </a:effectStyle>
+      </a:effectStyleLst>
+      <a:bgFillStyleLst>
+        <a:solidFill>
+          <a:schemeClr val="phClr"/>
+        </a:solidFill>
+        <a:solidFill>
+          <a:schemeClr val="phClr">
+            <a:tint val="95000"/>
+            <a:satMod val="170000"/>
+          </a:schemeClr>
+        </a:solidFill>
+        <a:gradFill rotWithShape="1">
+          <a:gsLst>
+            <a:gs pos="0">
+              <a:schemeClr val="phClr">
+                <a:tint val="93000"/>
+                <a:satMod val="150000"/>
+                <a:shade val="98000"/>
+                <a:lumMod val="102000"/>
+              </a:schemeClr>
+            </a:gs>
+            <a:gs pos="50000">
+              <a:schemeClr val="phClr">
+                <a:tint val="98000"/>
+                <a:satMod val="130000"/>
+                <a:shade val="90000"/>
+                <a:lumMod val="103000"/>
+              </a:schemeClr>
+            </a:gs>
+            <a:gs pos="100000">
+              <a:schemeClr val="phClr">
+                <a:shade val="63000"/>
+                <a:satMod val="120000"/>
+              </a:schemeClr>
+            </a:gs>
+          </a:gsLst>
+          <a:lin ang="5400000" scaled="0"/>
+        </a:gradFill>
+      </a:bgFillStyleLst>
+    </a:fmtScheme>
+  </a:themeElements>
+  <a:objectDefaults/>
+  <a:extraClrSchemeLst/>
+  <a:extLst>
+    <a:ext uri="{05A4C25C-085E-4340-85A3-A5531E510DB2}">
+      <thm15:themeFamily xmlns:thm15="http://schemas.microsoft.com/office/thememl/2012/main" name="Office Theme" id="{62F939B6-93AF-4DB8-9C6B-D6C7DFDC589F}" vid="{4A3C46E8-61CC-4603-A589-7422A47A8E4A}"/>
+    </a:ext>
+  </a:extLst>
+</a:theme>
 </file>
--- a/Presentation.pptx
+++ b/Presentation.pptx
@@ -5174,7 +5174,22 @@
                 <a:latin typeface="Times New Roman" panose="02020603050405020304" pitchFamily="18" charset="0"/>
                 <a:ea typeface="Calibri" panose="020F0502020204030204" pitchFamily="34" charset="0"/>
               </a:rPr>
-              <a:t>The main idea of the is to match all the symbols on the cards.</a:t>
+              <a:t>The main idea of the </a:t>
+            </a:r>
+            <a:r>
+              <a:rPr lang="pl-PL" sz="1800" dirty="0">
+                <a:latin typeface="Times New Roman" panose="02020603050405020304" pitchFamily="18" charset="0"/>
+                <a:ea typeface="Calibri" panose="020F0502020204030204" pitchFamily="34" charset="0"/>
+              </a:rPr>
+              <a:t>game is</a:t>
+            </a:r>
+            <a:r>
+              <a:rPr lang="en-GB" sz="1800" dirty="0">
+                <a:effectLst/>
+                <a:latin typeface="Times New Roman" panose="02020603050405020304" pitchFamily="18" charset="0"/>
+                <a:ea typeface="Calibri" panose="020F0502020204030204" pitchFamily="34" charset="0"/>
+              </a:rPr>
+              <a:t> to match all the symbols on the cards.</a:t>
             </a:r>
           </a:p>
           <a:p>
@@ -5189,7 +5204,35 @@
                 <a:latin typeface="Times New Roman" panose="02020603050405020304" pitchFamily="18" charset="0"/>
                 <a:ea typeface="Calibri" panose="020F0502020204030204" pitchFamily="34" charset="0"/>
               </a:rPr>
-              <a:t>The play has a menu at the start where they can select play or change options.</a:t>
+              <a:t>The play has a menu at the start where they can select play</a:t>
+            </a:r>
+            <a:r>
+              <a:rPr lang="pl-PL" sz="1800" dirty="0">
+                <a:latin typeface="Times New Roman" panose="02020603050405020304" pitchFamily="18" charset="0"/>
+                <a:ea typeface="Calibri" panose="020F0502020204030204" pitchFamily="34" charset="0"/>
+              </a:rPr>
+              <a:t>,</a:t>
+            </a:r>
+            <a:r>
+              <a:rPr lang="en-GB" sz="1800" dirty="0">
+                <a:latin typeface="Times New Roman" panose="02020603050405020304" pitchFamily="18" charset="0"/>
+                <a:ea typeface="Calibri" panose="020F0502020204030204" pitchFamily="34" charset="0"/>
+              </a:rPr>
+              <a:t> change options</a:t>
+            </a:r>
+            <a:r>
+              <a:rPr lang="pl-PL" sz="1800" dirty="0">
+                <a:latin typeface="Times New Roman" panose="02020603050405020304" pitchFamily="18" charset="0"/>
+                <a:ea typeface="Calibri" panose="020F0502020204030204" pitchFamily="34" charset="0"/>
+              </a:rPr>
+              <a:t> or to exit the game</a:t>
+            </a:r>
+            <a:r>
+              <a:rPr lang="en-GB" sz="1800" dirty="0">
+                <a:latin typeface="Times New Roman" panose="02020603050405020304" pitchFamily="18" charset="0"/>
+                <a:ea typeface="Calibri" panose="020F0502020204030204" pitchFamily="34" charset="0"/>
+              </a:rPr>
+              <a:t>.</a:t>
             </a:r>
           </a:p>
           <a:p>
@@ -5205,7 +5248,21 @@
                 <a:latin typeface="Times New Roman" panose="02020603050405020304" pitchFamily="18" charset="0"/>
                 <a:ea typeface="Calibri" panose="020F0502020204030204" pitchFamily="34" charset="0"/>
               </a:rPr>
-              <a:t>The user has 3 modes to pick when playing easy, normal or hard.</a:t>
+              <a:t>The user has </a:t>
+            </a:r>
+            <a:r>
+              <a:rPr lang="pl-PL" sz="1800" dirty="0">
+                <a:latin typeface="Times New Roman" panose="02020603050405020304" pitchFamily="18" charset="0"/>
+                <a:ea typeface="Calibri" panose="020F0502020204030204" pitchFamily="34" charset="0"/>
+              </a:rPr>
+              <a:t>three</a:t>
+            </a:r>
+            <a:r>
+              <a:rPr lang="en-GB" sz="1800" dirty="0">
+                <a:latin typeface="Times New Roman" panose="02020603050405020304" pitchFamily="18" charset="0"/>
+                <a:ea typeface="Calibri" panose="020F0502020204030204" pitchFamily="34" charset="0"/>
+              </a:rPr>
+              <a:t> modes to pick when playing easy, normal or hard.</a:t>
             </a:r>
           </a:p>
           <a:p>
@@ -5252,7 +5309,19 @@
               <a:rPr lang="en-GB" sz="1800" dirty="0">
                 <a:latin typeface="Times New Roman" panose="02020603050405020304" pitchFamily="18" charset="0"/>
               </a:rPr>
-              <a:t>And the database is done using SQLite.</a:t>
+              <a:t>And the </a:t>
+            </a:r>
+            <a:r>
+              <a:rPr lang="pl-PL" sz="1800" dirty="0">
+                <a:latin typeface="Times New Roman" panose="02020603050405020304" pitchFamily="18" charset="0"/>
+              </a:rPr>
+              <a:t>database that we are using is SQLite</a:t>
+            </a:r>
+            <a:r>
+              <a:rPr lang="en-GB" sz="1800" dirty="0">
+                <a:latin typeface="Times New Roman" panose="02020603050405020304" pitchFamily="18" charset="0"/>
+              </a:rPr>
+              <a:t>.</a:t>
             </a:r>
             <a:endParaRPr lang="en-IE" dirty="0"/>
           </a:p>
@@ -5359,6 +5428,13 @@
               <a:rPr lang="en-IE" dirty="0"/>
               <a:t>We have encountered numerous problems along the way of making this project.</a:t>
             </a:r>
+            <a:endParaRPr lang="pl-PL" dirty="0"/>
+          </a:p>
+          <a:p>
+            <a:pPr marL="0" indent="0">
+              <a:buNone/>
+            </a:pPr>
+            <a:endParaRPr lang="en-IE" dirty="0"/>
           </a:p>
           <a:p>
             <a:r>
@@ -5405,7 +5481,7 @@
           <a:p>
             <a:r>
               <a:rPr lang="pl-PL" dirty="0"/>
-              <a:t>Setting up the database was also difficult. But we found tutorials and got it work as expected.</a:t>
+              <a:t>Setting up the database was also difficult. But we found tutorials and got it to work as expected.</a:t>
             </a:r>
           </a:p>
           <a:p>
